--- a/02. JS за напреднали/Presentation2.pptx
+++ b/02. JS за напреднали/Presentation2.pptx
@@ -111,6 +111,11 @@
       </a:defRPr>
     </a:lvl9pPr>
   </p:defaultTextStyle>
+  <p:extLst>
+    <p:ext uri="{EFAFB233-063F-42B5-8137-9DF3F51BA10A}">
+      <p15:sldGuideLst xmlns:p15="http://schemas.microsoft.com/office/powerpoint/2012/main"/>
+    </p:ext>
+  </p:extLst>
 </p:presentation>
 </file>
 
@@ -3410,7 +3415,7 @@
         </p:blipFill>
         <p:spPr>
           <a:xfrm>
-            <a:off x="3619500" y="748456"/>
+            <a:off x="3911275" y="391867"/>
             <a:ext cx="4953000" cy="1200150"/>
           </a:xfrm>
           <a:prstGeom prst="rect">
@@ -3440,12 +3445,59 @@
         </p:blipFill>
         <p:spPr>
           <a:xfrm>
-            <a:off x="3709987" y="1770252"/>
+            <a:off x="3446106" y="4088830"/>
             <a:ext cx="4772025" cy="1790700"/>
           </a:xfrm>
           <a:prstGeom prst="rect">
             <a:avLst/>
           </a:prstGeom>
+        </p:spPr>
+      </p:pic>
+      <p:pic>
+        <p:nvPicPr>
+          <p:cNvPr id="1026" name="Picture 2">
+            <a:extLst>
+              <a:ext uri="{FF2B5EF4-FFF2-40B4-BE49-F238E27FC236}">
+                <a16:creationId xmlns:a16="http://schemas.microsoft.com/office/drawing/2014/main" id="{ACE45631-9A9F-4E9C-84D8-DCDF091686AF}"/>
+              </a:ext>
+            </a:extLst>
+          </p:cNvPr>
+          <p:cNvPicPr>
+            <a:picLocks noChangeAspect="1" noChangeArrowheads="1"/>
+          </p:cNvPicPr>
+          <p:nvPr/>
+        </p:nvPicPr>
+        <p:blipFill>
+          <a:blip r:embed="rId4">
+            <a:extLst>
+              <a:ext uri="{28A0092B-C50C-407E-A947-70E740481C1C}">
+                <a14:useLocalDpi xmlns:a14="http://schemas.microsoft.com/office/drawing/2010/main" val="0"/>
+              </a:ext>
+            </a:extLst>
+          </a:blip>
+          <a:srcRect/>
+          <a:stretch>
+            <a:fillRect/>
+          </a:stretch>
+        </p:blipFill>
+        <p:spPr bwMode="auto">
+          <a:xfrm>
+            <a:off x="3318004" y="1831405"/>
+            <a:ext cx="6334125" cy="2257425"/>
+          </a:xfrm>
+          <a:prstGeom prst="rect">
+            <a:avLst/>
+          </a:prstGeom>
+          <a:noFill/>
+          <a:extLst>
+            <a:ext uri="{909E8E84-426E-40DD-AFC4-6F175D3DCCD1}">
+              <a14:hiddenFill xmlns:a14="http://schemas.microsoft.com/office/drawing/2010/main">
+                <a:solidFill>
+                  <a:srgbClr val="FFFFFF"/>
+                </a:solidFill>
+              </a14:hiddenFill>
+            </a:ext>
+          </a:extLst>
         </p:spPr>
       </p:pic>
     </p:spTree>
@@ -3590,7 +3642,7 @@
         </p:blipFill>
         <p:spPr>
           <a:xfrm>
-            <a:off x="3536162" y="517945"/>
+            <a:off x="3371850" y="0"/>
             <a:ext cx="4886325" cy="2171700"/>
           </a:xfrm>
           <a:prstGeom prst="rect">
@@ -3620,7 +3672,7 @@
         </p:blipFill>
         <p:spPr>
           <a:xfrm>
-            <a:off x="3536162" y="1810918"/>
+            <a:off x="3371850" y="1292973"/>
             <a:ext cx="5448300" cy="4714875"/>
           </a:xfrm>
           <a:prstGeom prst="rect">
@@ -3690,10 +3742,57 @@
       </p:pic>
       <p:pic>
         <p:nvPicPr>
-          <p:cNvPr id="7" name="Picture 6">
-            <a:extLst>
-              <a:ext uri="{FF2B5EF4-FFF2-40B4-BE49-F238E27FC236}">
-                <a16:creationId xmlns:a16="http://schemas.microsoft.com/office/drawing/2014/main" id="{10048D7F-5132-4767-9A64-594CB6F6F234}"/>
+          <p:cNvPr id="2050" name="Picture 2" descr="Regular Expressions(RegEx)in JavaScript - DEV Community">
+            <a:extLst>
+              <a:ext uri="{FF2B5EF4-FFF2-40B4-BE49-F238E27FC236}">
+                <a16:creationId xmlns:a16="http://schemas.microsoft.com/office/drawing/2014/main" id="{EFFBB96F-31F5-4AD9-B340-BA0C7CC982EF}"/>
+              </a:ext>
+            </a:extLst>
+          </p:cNvPr>
+          <p:cNvPicPr>
+            <a:picLocks noChangeAspect="1" noChangeArrowheads="1"/>
+          </p:cNvPicPr>
+          <p:nvPr/>
+        </p:nvPicPr>
+        <p:blipFill>
+          <a:blip r:embed="rId3">
+            <a:extLst>
+              <a:ext uri="{28A0092B-C50C-407E-A947-70E740481C1C}">
+                <a14:useLocalDpi xmlns:a14="http://schemas.microsoft.com/office/drawing/2010/main" val="0"/>
+              </a:ext>
+            </a:extLst>
+          </a:blip>
+          <a:srcRect/>
+          <a:stretch>
+            <a:fillRect/>
+          </a:stretch>
+        </p:blipFill>
+        <p:spPr bwMode="auto">
+          <a:xfrm>
+            <a:off x="1055413" y="1925028"/>
+            <a:ext cx="9525000" cy="4000500"/>
+          </a:xfrm>
+          <a:prstGeom prst="rect">
+            <a:avLst/>
+          </a:prstGeom>
+          <a:noFill/>
+          <a:extLst>
+            <a:ext uri="{909E8E84-426E-40DD-AFC4-6F175D3DCCD1}">
+              <a14:hiddenFill xmlns:a14="http://schemas.microsoft.com/office/drawing/2010/main">
+                <a:solidFill>
+                  <a:srgbClr val="FFFFFF"/>
+                </a:solidFill>
+              </a14:hiddenFill>
+            </a:ext>
+          </a:extLst>
+        </p:spPr>
+      </p:pic>
+      <p:pic>
+        <p:nvPicPr>
+          <p:cNvPr id="6" name="Picture 5">
+            <a:extLst>
+              <a:ext uri="{FF2B5EF4-FFF2-40B4-BE49-F238E27FC236}">
+                <a16:creationId xmlns:a16="http://schemas.microsoft.com/office/drawing/2014/main" id="{A5CD9396-35FF-4773-81CF-D3A8C4CB7601}"/>
               </a:ext>
             </a:extLst>
           </p:cNvPr>
@@ -3703,15 +3802,15 @@
           <p:nvPr/>
         </p:nvPicPr>
         <p:blipFill>
-          <a:blip r:embed="rId3"/>
+          <a:blip r:embed="rId4"/>
           <a:stretch>
             <a:fillRect/>
           </a:stretch>
         </p:blipFill>
         <p:spPr>
           <a:xfrm>
-            <a:off x="650933" y="2166545"/>
-            <a:ext cx="10420350" cy="209550"/>
+            <a:off x="911764" y="3856294"/>
+            <a:ext cx="21065567" cy="423622"/>
           </a:xfrm>
           <a:prstGeom prst="rect">
             <a:avLst/>
@@ -3778,6 +3877,53 @@
           </a:prstGeom>
         </p:spPr>
       </p:pic>
+      <p:pic>
+        <p:nvPicPr>
+          <p:cNvPr id="3074" name="Picture 2" descr="KEEP CALM AND e.preventDefault(); Poster | liperif | Keep Calm-o-Matic">
+            <a:extLst>
+              <a:ext uri="{FF2B5EF4-FFF2-40B4-BE49-F238E27FC236}">
+                <a16:creationId xmlns:a16="http://schemas.microsoft.com/office/drawing/2014/main" id="{E9DF2629-159D-40EC-AE1B-35779443C7C9}"/>
+              </a:ext>
+            </a:extLst>
+          </p:cNvPr>
+          <p:cNvPicPr>
+            <a:picLocks noChangeAspect="1" noChangeArrowheads="1"/>
+          </p:cNvPicPr>
+          <p:nvPr/>
+        </p:nvPicPr>
+        <p:blipFill>
+          <a:blip r:embed="rId3">
+            <a:extLst>
+              <a:ext uri="{28A0092B-C50C-407E-A947-70E740481C1C}">
+                <a14:useLocalDpi xmlns:a14="http://schemas.microsoft.com/office/drawing/2010/main" val="0"/>
+              </a:ext>
+            </a:extLst>
+          </a:blip>
+          <a:srcRect/>
+          <a:stretch>
+            <a:fillRect/>
+          </a:stretch>
+        </p:blipFill>
+        <p:spPr bwMode="auto">
+          <a:xfrm>
+            <a:off x="3238499" y="1668536"/>
+            <a:ext cx="5715000" cy="4762500"/>
+          </a:xfrm>
+          <a:prstGeom prst="rect">
+            <a:avLst/>
+          </a:prstGeom>
+          <a:noFill/>
+          <a:extLst>
+            <a:ext uri="{909E8E84-426E-40DD-AFC4-6F175D3DCCD1}">
+              <a14:hiddenFill xmlns:a14="http://schemas.microsoft.com/office/drawing/2010/main">
+                <a:solidFill>
+                  <a:srgbClr val="FFFFFF"/>
+                </a:solidFill>
+              </a14:hiddenFill>
+            </a:ext>
+          </a:extLst>
+        </p:spPr>
+      </p:pic>
     </p:spTree>
     <p:extLst>
       <p:ext uri="{BB962C8B-B14F-4D97-AF65-F5344CB8AC3E}">
@@ -3836,6 +3982,53 @@
           <a:prstGeom prst="rect">
             <a:avLst/>
           </a:prstGeom>
+        </p:spPr>
+      </p:pic>
+      <p:pic>
+        <p:nvPicPr>
+          <p:cNvPr id="4098" name="Picture 2" descr="Javascript Get URL info with document.location | by Yanze Dai | Weekly  Webtips | Medium">
+            <a:extLst>
+              <a:ext uri="{FF2B5EF4-FFF2-40B4-BE49-F238E27FC236}">
+                <a16:creationId xmlns:a16="http://schemas.microsoft.com/office/drawing/2014/main" id="{3ECD42C3-7A0F-4420-A1A1-D0A86A26CB91}"/>
+              </a:ext>
+            </a:extLst>
+          </p:cNvPr>
+          <p:cNvPicPr>
+            <a:picLocks noChangeAspect="1" noChangeArrowheads="1"/>
+          </p:cNvPicPr>
+          <p:nvPr/>
+        </p:nvPicPr>
+        <p:blipFill>
+          <a:blip r:embed="rId3">
+            <a:extLst>
+              <a:ext uri="{28A0092B-C50C-407E-A947-70E740481C1C}">
+                <a14:useLocalDpi xmlns:a14="http://schemas.microsoft.com/office/drawing/2010/main" val="0"/>
+              </a:ext>
+            </a:extLst>
+          </a:blip>
+          <a:srcRect/>
+          <a:stretch>
+            <a:fillRect/>
+          </a:stretch>
+        </p:blipFill>
+        <p:spPr bwMode="auto">
+          <a:xfrm>
+            <a:off x="2286000" y="1143000"/>
+            <a:ext cx="7620000" cy="4572000"/>
+          </a:xfrm>
+          <a:prstGeom prst="rect">
+            <a:avLst/>
+          </a:prstGeom>
+          <a:noFill/>
+          <a:extLst>
+            <a:ext uri="{909E8E84-426E-40DD-AFC4-6F175D3DCCD1}">
+              <a14:hiddenFill xmlns:a14="http://schemas.microsoft.com/office/drawing/2010/main">
+                <a:solidFill>
+                  <a:srgbClr val="FFFFFF"/>
+                </a:solidFill>
+              </a14:hiddenFill>
+            </a:ext>
+          </a:extLst>
         </p:spPr>
       </p:pic>
     </p:spTree>
